--- a/Projet_3/p3.pptx
+++ b/Projet_3/p3.pptx
@@ -8558,13 +8558,13 @@
   <p:clrMapOvr>
     <a:masterClrMapping/>
   </p:clrMapOvr>
-  <mc:AlternateContent xmlns:mc="http://schemas.openxmlformats.org/markup-compatibility/2006">
-    <mc:Choice xmlns:p14="http://schemas.microsoft.com/office/powerpoint/2010/main" Requires="p14">
+  <mc:AlternateContent xmlns:mc="http://schemas.openxmlformats.org/markup-compatibility/2006" xmlns:p14="http://schemas.microsoft.com/office/powerpoint/2010/main">
+    <mc:Choice Requires="p14">
       <p:transition spd="med" p14:dur="700">
         <p:fade/>
       </p:transition>
     </mc:Choice>
-    <mc:Fallback>
+    <mc:Fallback xmlns="">
       <p:transition spd="med">
         <p:fade/>
       </p:transition>
@@ -10683,13 +10683,13 @@
   <p:clrMapOvr>
     <a:masterClrMapping/>
   </p:clrMapOvr>
-  <mc:AlternateContent xmlns:mc="http://schemas.openxmlformats.org/markup-compatibility/2006">
-    <mc:Choice xmlns:p14="http://schemas.microsoft.com/office/powerpoint/2010/main" Requires="p14">
+  <mc:AlternateContent xmlns:mc="http://schemas.openxmlformats.org/markup-compatibility/2006" xmlns:p14="http://schemas.microsoft.com/office/powerpoint/2010/main">
+    <mc:Choice Requires="p14">
       <p:transition spd="med" p14:dur="700">
         <p:fade/>
       </p:transition>
     </mc:Choice>
-    <mc:Fallback>
+    <mc:Fallback xmlns="">
       <p:transition spd="med">
         <p:fade/>
       </p:transition>
@@ -11239,13 +11239,13 @@
   <p:clrMapOvr>
     <a:masterClrMapping/>
   </p:clrMapOvr>
-  <mc:AlternateContent xmlns:mc="http://schemas.openxmlformats.org/markup-compatibility/2006">
-    <mc:Choice xmlns:p14="http://schemas.microsoft.com/office/powerpoint/2010/main" Requires="p14">
+  <mc:AlternateContent xmlns:mc="http://schemas.openxmlformats.org/markup-compatibility/2006" xmlns:p14="http://schemas.microsoft.com/office/powerpoint/2010/main">
+    <mc:Choice Requires="p14">
       <p:transition spd="med" p14:dur="700">
         <p:fade/>
       </p:transition>
     </mc:Choice>
-    <mc:Fallback>
+    <mc:Fallback xmlns="">
       <p:transition spd="med">
         <p:fade/>
       </p:transition>
@@ -12043,13 +12043,13 @@
   <p:clrMapOvr>
     <a:masterClrMapping/>
   </p:clrMapOvr>
-  <mc:AlternateContent xmlns:mc="http://schemas.openxmlformats.org/markup-compatibility/2006">
-    <mc:Choice xmlns:p14="http://schemas.microsoft.com/office/powerpoint/2010/main" Requires="p14">
+  <mc:AlternateContent xmlns:mc="http://schemas.openxmlformats.org/markup-compatibility/2006" xmlns:p14="http://schemas.microsoft.com/office/powerpoint/2010/main">
+    <mc:Choice Requires="p14">
       <p:transition spd="med" p14:dur="700">
         <p:fade/>
       </p:transition>
     </mc:Choice>
-    <mc:Fallback>
+    <mc:Fallback xmlns="">
       <p:transition spd="med">
         <p:fade/>
       </p:transition>
@@ -12703,13 +12703,13 @@
   <p:clrMapOvr>
     <a:masterClrMapping/>
   </p:clrMapOvr>
-  <mc:AlternateContent xmlns:mc="http://schemas.openxmlformats.org/markup-compatibility/2006">
-    <mc:Choice xmlns:p14="http://schemas.microsoft.com/office/powerpoint/2010/main" Requires="p14">
+  <mc:AlternateContent xmlns:mc="http://schemas.openxmlformats.org/markup-compatibility/2006" xmlns:p14="http://schemas.microsoft.com/office/powerpoint/2010/main">
+    <mc:Choice Requires="p14">
       <p:transition spd="med" p14:dur="700">
         <p:fade/>
       </p:transition>
     </mc:Choice>
-    <mc:Fallback>
+    <mc:Fallback xmlns="">
       <p:transition spd="med">
         <p:fade/>
       </p:transition>
@@ -12990,13 +12990,13 @@
   <p:clrMapOvr>
     <a:masterClrMapping/>
   </p:clrMapOvr>
-  <mc:AlternateContent xmlns:mc="http://schemas.openxmlformats.org/markup-compatibility/2006">
-    <mc:Choice xmlns:p14="http://schemas.microsoft.com/office/powerpoint/2010/main" Requires="p14">
+  <mc:AlternateContent xmlns:mc="http://schemas.openxmlformats.org/markup-compatibility/2006" xmlns:p14="http://schemas.microsoft.com/office/powerpoint/2010/main">
+    <mc:Choice Requires="p14">
       <p:transition spd="med" p14:dur="700">
         <p:fade/>
       </p:transition>
     </mc:Choice>
-    <mc:Fallback>
+    <mc:Fallback xmlns="">
       <p:transition spd="med">
         <p:fade/>
       </p:transition>
@@ -13482,13 +13482,13 @@
   <p:clrMapOvr>
     <a:masterClrMapping/>
   </p:clrMapOvr>
-  <mc:AlternateContent xmlns:mc="http://schemas.openxmlformats.org/markup-compatibility/2006">
-    <mc:Choice xmlns:p14="http://schemas.microsoft.com/office/powerpoint/2010/main" Requires="p14">
+  <mc:AlternateContent xmlns:mc="http://schemas.openxmlformats.org/markup-compatibility/2006" xmlns:p14="http://schemas.microsoft.com/office/powerpoint/2010/main">
+    <mc:Choice Requires="p14">
       <p:transition spd="med" p14:dur="700">
         <p:fade/>
       </p:transition>
     </mc:Choice>
-    <mc:Fallback>
+    <mc:Fallback xmlns="">
       <p:transition spd="med">
         <p:fade/>
       </p:transition>
@@ -14012,13 +14012,13 @@
   <p:clrMapOvr>
     <a:masterClrMapping/>
   </p:clrMapOvr>
-  <mc:AlternateContent xmlns:mc="http://schemas.openxmlformats.org/markup-compatibility/2006">
-    <mc:Choice xmlns:p14="http://schemas.microsoft.com/office/powerpoint/2010/main" Requires="p14">
+  <mc:AlternateContent xmlns:mc="http://schemas.openxmlformats.org/markup-compatibility/2006" xmlns:p14="http://schemas.microsoft.com/office/powerpoint/2010/main">
+    <mc:Choice Requires="p14">
       <p:transition spd="med" p14:dur="700">
         <p:fade/>
       </p:transition>
     </mc:Choice>
-    <mc:Fallback>
+    <mc:Fallback xmlns="">
       <p:transition spd="med">
         <p:fade/>
       </p:transition>
@@ -14453,13 +14453,13 @@
   <p:clrMapOvr>
     <a:masterClrMapping/>
   </p:clrMapOvr>
-  <mc:AlternateContent xmlns:mc="http://schemas.openxmlformats.org/markup-compatibility/2006">
-    <mc:Choice xmlns:p14="http://schemas.microsoft.com/office/powerpoint/2010/main" Requires="p14">
+  <mc:AlternateContent xmlns:mc="http://schemas.openxmlformats.org/markup-compatibility/2006" xmlns:p14="http://schemas.microsoft.com/office/powerpoint/2010/main">
+    <mc:Choice Requires="p14">
       <p:transition spd="med" p14:dur="700">
         <p:fade/>
       </p:transition>
     </mc:Choice>
-    <mc:Fallback>
+    <mc:Fallback xmlns="">
       <p:transition spd="med">
         <p:fade/>
       </p:transition>
@@ -14996,13 +14996,13 @@
   <p:clrMapOvr>
     <a:masterClrMapping/>
   </p:clrMapOvr>
-  <mc:AlternateContent xmlns:mc="http://schemas.openxmlformats.org/markup-compatibility/2006">
-    <mc:Choice xmlns:p14="http://schemas.microsoft.com/office/powerpoint/2010/main" Requires="p14">
+  <mc:AlternateContent xmlns:mc="http://schemas.openxmlformats.org/markup-compatibility/2006" xmlns:p14="http://schemas.microsoft.com/office/powerpoint/2010/main">
+    <mc:Choice Requires="p14">
       <p:transition spd="med" p14:dur="700">
         <p:fade/>
       </p:transition>
     </mc:Choice>
-    <mc:Fallback>
+    <mc:Fallback xmlns="">
       <p:transition spd="med">
         <p:fade/>
       </p:transition>
@@ -15530,13 +15530,13 @@
   <p:clrMapOvr>
     <a:masterClrMapping/>
   </p:clrMapOvr>
-  <mc:AlternateContent xmlns:mc="http://schemas.openxmlformats.org/markup-compatibility/2006">
-    <mc:Choice xmlns:p14="http://schemas.microsoft.com/office/powerpoint/2010/main" Requires="p14">
+  <mc:AlternateContent xmlns:mc="http://schemas.openxmlformats.org/markup-compatibility/2006" xmlns:p14="http://schemas.microsoft.com/office/powerpoint/2010/main">
+    <mc:Choice Requires="p14">
       <p:transition spd="med" p14:dur="700">
         <p:fade/>
       </p:transition>
     </mc:Choice>
-    <mc:Fallback>
+    <mc:Fallback xmlns="">
       <p:transition spd="med">
         <p:fade/>
       </p:transition>
@@ -16009,13 +16009,13 @@
   <p:clrMapOvr>
     <a:masterClrMapping/>
   </p:clrMapOvr>
-  <mc:AlternateContent xmlns:mc="http://schemas.openxmlformats.org/markup-compatibility/2006">
-    <mc:Choice xmlns:p14="http://schemas.microsoft.com/office/powerpoint/2010/main" Requires="p14">
+  <mc:AlternateContent xmlns:mc="http://schemas.openxmlformats.org/markup-compatibility/2006" xmlns:p14="http://schemas.microsoft.com/office/powerpoint/2010/main">
+    <mc:Choice Requires="p14">
       <p:transition spd="med" p14:dur="700">
         <p:fade/>
       </p:transition>
     </mc:Choice>
-    <mc:Fallback>
+    <mc:Fallback xmlns="">
       <p:transition spd="med">
         <p:fade/>
       </p:transition>
@@ -16572,13 +16572,13 @@
   <p:clrMapOvr>
     <a:masterClrMapping/>
   </p:clrMapOvr>
-  <mc:AlternateContent xmlns:mc="http://schemas.openxmlformats.org/markup-compatibility/2006">
-    <mc:Choice xmlns:p14="http://schemas.microsoft.com/office/powerpoint/2010/main" Requires="p14">
+  <mc:AlternateContent xmlns:mc="http://schemas.openxmlformats.org/markup-compatibility/2006" xmlns:p14="http://schemas.microsoft.com/office/powerpoint/2010/main">
+    <mc:Choice Requires="p14">
       <p:transition spd="med" p14:dur="700">
         <p:fade/>
       </p:transition>
     </mc:Choice>
-    <mc:Fallback>
+    <mc:Fallback xmlns="">
       <p:transition spd="med">
         <p:fade/>
       </p:transition>
@@ -17326,13 +17326,13 @@
   <p:clrMapOvr>
     <a:masterClrMapping/>
   </p:clrMapOvr>
-  <mc:AlternateContent xmlns:mc="http://schemas.openxmlformats.org/markup-compatibility/2006">
-    <mc:Choice xmlns:p14="http://schemas.microsoft.com/office/powerpoint/2010/main" Requires="p14">
+  <mc:AlternateContent xmlns:mc="http://schemas.openxmlformats.org/markup-compatibility/2006" xmlns:p14="http://schemas.microsoft.com/office/powerpoint/2010/main">
+    <mc:Choice Requires="p14">
       <p:transition spd="med" p14:dur="700">
         <p:fade/>
       </p:transition>
     </mc:Choice>
-    <mc:Fallback>
+    <mc:Fallback xmlns="">
       <p:transition spd="med">
         <p:fade/>
       </p:transition>
@@ -18292,13 +18292,13 @@
   <p:clrMapOvr>
     <a:masterClrMapping/>
   </p:clrMapOvr>
-  <mc:AlternateContent xmlns:mc="http://schemas.openxmlformats.org/markup-compatibility/2006">
-    <mc:Choice xmlns:p14="http://schemas.microsoft.com/office/powerpoint/2010/main" Requires="p14">
+  <mc:AlternateContent xmlns:mc="http://schemas.openxmlformats.org/markup-compatibility/2006" xmlns:p14="http://schemas.microsoft.com/office/powerpoint/2010/main">
+    <mc:Choice Requires="p14">
       <p:transition spd="med" p14:dur="700">
         <p:fade/>
       </p:transition>
     </mc:Choice>
-    <mc:Fallback>
+    <mc:Fallback xmlns="">
       <p:transition spd="med">
         <p:fade/>
       </p:transition>
@@ -18778,13 +18778,13 @@
   <p:clrMapOvr>
     <a:masterClrMapping/>
   </p:clrMapOvr>
-  <mc:AlternateContent xmlns:mc="http://schemas.openxmlformats.org/markup-compatibility/2006">
-    <mc:Choice xmlns:p14="http://schemas.microsoft.com/office/powerpoint/2010/main" Requires="p14">
+  <mc:AlternateContent xmlns:mc="http://schemas.openxmlformats.org/markup-compatibility/2006" xmlns:p14="http://schemas.microsoft.com/office/powerpoint/2010/main">
+    <mc:Choice Requires="p14">
       <p:transition spd="med" p14:dur="700">
         <p:fade/>
       </p:transition>
     </mc:Choice>
-    <mc:Fallback>
+    <mc:Fallback xmlns="">
       <p:transition spd="med">
         <p:fade/>
       </p:transition>
@@ -19268,13 +19268,13 @@
   <p:clrMapOvr>
     <a:masterClrMapping/>
   </p:clrMapOvr>
-  <mc:AlternateContent xmlns:mc="http://schemas.openxmlformats.org/markup-compatibility/2006">
-    <mc:Choice xmlns:p14="http://schemas.microsoft.com/office/powerpoint/2010/main" Requires="p14">
+  <mc:AlternateContent xmlns:mc="http://schemas.openxmlformats.org/markup-compatibility/2006" xmlns:p14="http://schemas.microsoft.com/office/powerpoint/2010/main">
+    <mc:Choice Requires="p14">
       <p:transition spd="med" p14:dur="700">
         <p:fade/>
       </p:transition>
     </mc:Choice>
-    <mc:Fallback>
+    <mc:Fallback xmlns="">
       <p:transition spd="med">
         <p:fade/>
       </p:transition>
@@ -19720,13 +19720,13 @@
   <p:clrMapOvr>
     <a:masterClrMapping/>
   </p:clrMapOvr>
-  <mc:AlternateContent xmlns:mc="http://schemas.openxmlformats.org/markup-compatibility/2006">
-    <mc:Choice xmlns:p14="http://schemas.microsoft.com/office/powerpoint/2010/main" Requires="p14">
+  <mc:AlternateContent xmlns:mc="http://schemas.openxmlformats.org/markup-compatibility/2006" xmlns:p14="http://schemas.microsoft.com/office/powerpoint/2010/main">
+    <mc:Choice Requires="p14">
       <p:transition spd="med" p14:dur="700">
         <p:fade/>
       </p:transition>
     </mc:Choice>
-    <mc:Fallback>
+    <mc:Fallback xmlns="">
       <p:transition spd="med">
         <p:fade/>
       </p:transition>
@@ -20307,13 +20307,13 @@
   <p:clrMapOvr>
     <a:masterClrMapping/>
   </p:clrMapOvr>
-  <mc:AlternateContent xmlns:mc="http://schemas.openxmlformats.org/markup-compatibility/2006">
-    <mc:Choice xmlns:p14="http://schemas.microsoft.com/office/powerpoint/2010/main" Requires="p14">
+  <mc:AlternateContent xmlns:mc="http://schemas.openxmlformats.org/markup-compatibility/2006" xmlns:p14="http://schemas.microsoft.com/office/powerpoint/2010/main">
+    <mc:Choice Requires="p14">
       <p:transition spd="med" p14:dur="700">
         <p:fade/>
       </p:transition>
     </mc:Choice>
-    <mc:Fallback>
+    <mc:Fallback xmlns="">
       <p:transition spd="med">
         <p:fade/>
       </p:transition>
@@ -20771,13 +20771,13 @@
   <p:clrMapOvr>
     <a:masterClrMapping/>
   </p:clrMapOvr>
-  <mc:AlternateContent xmlns:mc="http://schemas.openxmlformats.org/markup-compatibility/2006">
-    <mc:Choice xmlns:p14="http://schemas.microsoft.com/office/powerpoint/2010/main" Requires="p14">
+  <mc:AlternateContent xmlns:mc="http://schemas.openxmlformats.org/markup-compatibility/2006" xmlns:p14="http://schemas.microsoft.com/office/powerpoint/2010/main">
+    <mc:Choice Requires="p14">
       <p:transition spd="med" p14:dur="700">
         <p:fade/>
       </p:transition>
     </mc:Choice>
-    <mc:Fallback>
+    <mc:Fallback xmlns="">
       <p:transition spd="med">
         <p:fade/>
       </p:transition>
@@ -21176,13 +21176,13 @@
   <p:clrMapOvr>
     <a:masterClrMapping/>
   </p:clrMapOvr>
-  <mc:AlternateContent xmlns:mc="http://schemas.openxmlformats.org/markup-compatibility/2006">
-    <mc:Choice xmlns:p14="http://schemas.microsoft.com/office/powerpoint/2010/main" Requires="p14">
+  <mc:AlternateContent xmlns:mc="http://schemas.openxmlformats.org/markup-compatibility/2006" xmlns:p14="http://schemas.microsoft.com/office/powerpoint/2010/main">
+    <mc:Choice Requires="p14">
       <p:transition spd="med" p14:dur="700">
         <p:fade/>
       </p:transition>
     </mc:Choice>
-    <mc:Fallback>
+    <mc:Fallback xmlns="">
       <p:transition spd="med">
         <p:fade/>
       </p:transition>
@@ -21676,13 +21676,13 @@
   <p:clrMapOvr>
     <a:masterClrMapping/>
   </p:clrMapOvr>
-  <mc:AlternateContent xmlns:mc="http://schemas.openxmlformats.org/markup-compatibility/2006">
-    <mc:Choice xmlns:p14="http://schemas.microsoft.com/office/powerpoint/2010/main" Requires="p14">
+  <mc:AlternateContent xmlns:mc="http://schemas.openxmlformats.org/markup-compatibility/2006" xmlns:p14="http://schemas.microsoft.com/office/powerpoint/2010/main">
+    <mc:Choice Requires="p14">
       <p:transition spd="med" p14:dur="700">
         <p:fade/>
       </p:transition>
     </mc:Choice>
-    <mc:Fallback>
+    <mc:Fallback xmlns="">
       <p:transition spd="med">
         <p:fade/>
       </p:transition>
@@ -22198,13 +22198,13 @@
   <p:clrMapOvr>
     <a:masterClrMapping/>
   </p:clrMapOvr>
-  <mc:AlternateContent xmlns:mc="http://schemas.openxmlformats.org/markup-compatibility/2006">
-    <mc:Choice xmlns:p14="http://schemas.microsoft.com/office/powerpoint/2010/main" Requires="p14">
+  <mc:AlternateContent xmlns:mc="http://schemas.openxmlformats.org/markup-compatibility/2006" xmlns:p14="http://schemas.microsoft.com/office/powerpoint/2010/main">
+    <mc:Choice Requires="p14">
       <p:transition spd="med" p14:dur="700">
         <p:fade/>
       </p:transition>
     </mc:Choice>
-    <mc:Fallback>
+    <mc:Fallback xmlns="">
       <p:transition spd="med">
         <p:fade/>
       </p:transition>
@@ -23500,13 +23500,13 @@
   <p:clrMapOvr>
     <a:masterClrMapping/>
   </p:clrMapOvr>
-  <mc:AlternateContent xmlns:mc="http://schemas.openxmlformats.org/markup-compatibility/2006">
-    <mc:Choice xmlns:p14="http://schemas.microsoft.com/office/powerpoint/2010/main" Requires="p14">
+  <mc:AlternateContent xmlns:mc="http://schemas.openxmlformats.org/markup-compatibility/2006" xmlns:p14="http://schemas.microsoft.com/office/powerpoint/2010/main">
+    <mc:Choice Requires="p14">
       <p:transition spd="med" p14:dur="700">
         <p:fade/>
       </p:transition>
     </mc:Choice>
-    <mc:Fallback>
+    <mc:Fallback xmlns="">
       <p:transition spd="med">
         <p:fade/>
       </p:transition>
@@ -24361,13 +24361,13 @@
   <p:clrMapOvr>
     <a:masterClrMapping/>
   </p:clrMapOvr>
-  <mc:AlternateContent xmlns:mc="http://schemas.openxmlformats.org/markup-compatibility/2006">
-    <mc:Choice xmlns:p14="http://schemas.microsoft.com/office/powerpoint/2010/main" Requires="p14">
+  <mc:AlternateContent xmlns:mc="http://schemas.openxmlformats.org/markup-compatibility/2006" xmlns:p14="http://schemas.microsoft.com/office/powerpoint/2010/main">
+    <mc:Choice Requires="p14">
       <p:transition spd="med" p14:dur="700">
         <p:fade/>
       </p:transition>
     </mc:Choice>
-    <mc:Fallback>
+    <mc:Fallback xmlns="">
       <p:transition spd="med">
         <p:fade/>
       </p:transition>
@@ -24948,13 +24948,13 @@
   <p:clrMapOvr>
     <a:masterClrMapping/>
   </p:clrMapOvr>
-  <mc:AlternateContent xmlns:mc="http://schemas.openxmlformats.org/markup-compatibility/2006">
-    <mc:Choice xmlns:p14="http://schemas.microsoft.com/office/powerpoint/2010/main" Requires="p14">
+  <mc:AlternateContent xmlns:mc="http://schemas.openxmlformats.org/markup-compatibility/2006" xmlns:p14="http://schemas.microsoft.com/office/powerpoint/2010/main">
+    <mc:Choice Requires="p14">
       <p:transition spd="med" p14:dur="700">
         <p:fade/>
       </p:transition>
     </mc:Choice>
-    <mc:Fallback>
+    <mc:Fallback xmlns="">
       <p:transition spd="med">
         <p:fade/>
       </p:transition>
@@ -25171,7 +25171,7 @@
     </p:tnLst>
     <p:bldLst>
       <p:bldP spid="6" grpId="0" animBg="1"/>
-      <p:bldP spid="7" grpId="0"/>
+      <p:bldP spid="7" grpId="0" animBg="1"/>
     </p:bldLst>
   </p:timing>
 </p:sld>
@@ -25246,6 +25246,15 @@
             <a:r>
               <a:rPr lang="fr-FR" dirty="0"/>
               <a:t>Nous allons faire quelques tests en réel via l’interface web.</a:t>
+            </a:r>
+          </a:p>
+          <a:p>
+            <a:endParaRPr lang="fr-FR" dirty="0"/>
+          </a:p>
+          <a:p>
+            <a:r>
+              <a:rPr lang="fr-FR" dirty="0"/>
+              <a:t>http://pfroide.pythonanywhere.com/recommand/</a:t>
             </a:r>
           </a:p>
         </p:txBody>
@@ -25305,13 +25314,13 @@
   <p:clrMapOvr>
     <a:masterClrMapping/>
   </p:clrMapOvr>
-  <mc:AlternateContent xmlns:mc="http://schemas.openxmlformats.org/markup-compatibility/2006">
-    <mc:Choice xmlns:p14="http://schemas.microsoft.com/office/powerpoint/2010/main" Requires="p14">
+  <mc:AlternateContent xmlns:mc="http://schemas.openxmlformats.org/markup-compatibility/2006" xmlns:p14="http://schemas.microsoft.com/office/powerpoint/2010/main">
+    <mc:Choice Requires="p14">
       <p:transition spd="med" p14:dur="700">
         <p:fade/>
       </p:transition>
     </mc:Choice>
-    <mc:Fallback>
+    <mc:Fallback xmlns="">
       <p:transition spd="med">
         <p:fade/>
       </p:transition>
@@ -25371,21 +25380,70 @@
                             </p:childTnLst>
                           </p:cTn>
                         </p:par>
+                      </p:childTnLst>
+                    </p:cTn>
+                  </p:par>
+                  <p:par>
+                    <p:cTn id="7" fill="hold">
+                      <p:stCondLst>
+                        <p:cond delay="indefinite"/>
+                      </p:stCondLst>
+                      <p:childTnLst>
                         <p:par>
-                          <p:cTn id="7" fill="hold">
+                          <p:cTn id="8" fill="hold">
                             <p:stCondLst>
                               <p:cond delay="0"/>
                             </p:stCondLst>
                             <p:childTnLst>
                               <p:par>
-                                <p:cTn id="8" presetID="1" presetClass="entr" presetSubtype="0" fill="hold" grpId="0" nodeType="afterEffect">
+                                <p:cTn id="9" presetID="1" presetClass="entr" presetSubtype="0" fill="hold" nodeType="clickEffect">
                                   <p:stCondLst>
                                     <p:cond delay="0"/>
                                   </p:stCondLst>
                                   <p:childTnLst>
                                     <p:set>
                                       <p:cBhvr>
-                                        <p:cTn id="9" dur="1" fill="hold">
+                                        <p:cTn id="10" dur="1" fill="hold">
+                                          <p:stCondLst>
+                                            <p:cond delay="0"/>
+                                          </p:stCondLst>
+                                        </p:cTn>
+                                        <p:tgtEl>
+                                          <p:spTgt spid="5">
+                                            <p:txEl>
+                                              <p:pRg st="2" end="2"/>
+                                            </p:txEl>
+                                          </p:spTgt>
+                                        </p:tgtEl>
+                                        <p:attrNameLst>
+                                          <p:attrName>style.visibility</p:attrName>
+                                        </p:attrNameLst>
+                                      </p:cBhvr>
+                                      <p:to>
+                                        <p:strVal val="visible"/>
+                                      </p:to>
+                                    </p:set>
+                                  </p:childTnLst>
+                                </p:cTn>
+                              </p:par>
+                            </p:childTnLst>
+                          </p:cTn>
+                        </p:par>
+                        <p:par>
+                          <p:cTn id="11" fill="hold">
+                            <p:stCondLst>
+                              <p:cond delay="0"/>
+                            </p:stCondLst>
+                            <p:childTnLst>
+                              <p:par>
+                                <p:cTn id="12" presetID="1" presetClass="entr" presetSubtype="0" fill="hold" grpId="0" nodeType="afterEffect">
+                                  <p:stCondLst>
+                                    <p:cond delay="0"/>
+                                  </p:stCondLst>
+                                  <p:childTnLst>
+                                    <p:set>
+                                      <p:cBhvr>
+                                        <p:cTn id="13" dur="1" fill="hold">
                                           <p:stCondLst>
                                             <p:cond delay="0"/>
                                           </p:stCondLst>
@@ -25611,13 +25669,13 @@
   <p:clrMapOvr>
     <a:masterClrMapping/>
   </p:clrMapOvr>
-  <mc:AlternateContent xmlns:mc="http://schemas.openxmlformats.org/markup-compatibility/2006">
-    <mc:Choice xmlns:p14="http://schemas.microsoft.com/office/powerpoint/2010/main" Requires="p14">
+  <mc:AlternateContent xmlns:mc="http://schemas.openxmlformats.org/markup-compatibility/2006" xmlns:p14="http://schemas.microsoft.com/office/powerpoint/2010/main">
+    <mc:Choice Requires="p14">
       <p:transition spd="med" p14:dur="700">
         <p:fade/>
       </p:transition>
     </mc:Choice>
-    <mc:Fallback>
+    <mc:Fallback xmlns="">
       <p:transition spd="med">
         <p:fade/>
       </p:transition>
@@ -26069,13 +26127,13 @@
   <p:clrMapOvr>
     <a:masterClrMapping/>
   </p:clrMapOvr>
-  <mc:AlternateContent xmlns:mc="http://schemas.openxmlformats.org/markup-compatibility/2006">
-    <mc:Choice xmlns:p14="http://schemas.microsoft.com/office/powerpoint/2010/main" Requires="p14">
+  <mc:AlternateContent xmlns:mc="http://schemas.openxmlformats.org/markup-compatibility/2006" xmlns:p14="http://schemas.microsoft.com/office/powerpoint/2010/main">
+    <mc:Choice Requires="p14">
       <p:transition spd="med" p14:dur="700">
         <p:fade/>
       </p:transition>
     </mc:Choice>
-    <mc:Fallback>
+    <mc:Fallback xmlns="">
       <p:transition spd="med">
         <p:fade/>
       </p:transition>
@@ -34073,13 +34131,13 @@
   <p:clrMapOvr>
     <a:masterClrMapping/>
   </p:clrMapOvr>
-  <mc:AlternateContent xmlns:mc="http://schemas.openxmlformats.org/markup-compatibility/2006">
-    <mc:Choice xmlns:p14="http://schemas.microsoft.com/office/powerpoint/2010/main" Requires="p14">
+  <mc:AlternateContent xmlns:mc="http://schemas.openxmlformats.org/markup-compatibility/2006" xmlns:p14="http://schemas.microsoft.com/office/powerpoint/2010/main">
+    <mc:Choice Requires="p14">
       <p:transition spd="med" p14:dur="700">
         <p:fade/>
       </p:transition>
     </mc:Choice>
-    <mc:Fallback>
+    <mc:Fallback xmlns="">
       <p:transition spd="med">
         <p:fade/>
       </p:transition>
@@ -40575,13 +40633,13 @@
   <p:clrMapOvr>
     <a:masterClrMapping/>
   </p:clrMapOvr>
-  <mc:AlternateContent xmlns:mc="http://schemas.openxmlformats.org/markup-compatibility/2006">
-    <mc:Choice xmlns:p14="http://schemas.microsoft.com/office/powerpoint/2010/main" Requires="p14">
+  <mc:AlternateContent xmlns:mc="http://schemas.openxmlformats.org/markup-compatibility/2006" xmlns:p14="http://schemas.microsoft.com/office/powerpoint/2010/main">
+    <mc:Choice Requires="p14">
       <p:transition spd="med" p14:dur="700">
         <p:fade/>
       </p:transition>
     </mc:Choice>
-    <mc:Fallback>
+    <mc:Fallback xmlns="">
       <p:transition spd="med">
         <p:fade/>
       </p:transition>
@@ -41381,13 +41439,13 @@
   <p:clrMapOvr>
     <a:masterClrMapping/>
   </p:clrMapOvr>
-  <mc:AlternateContent xmlns:mc="http://schemas.openxmlformats.org/markup-compatibility/2006">
-    <mc:Choice xmlns:p14="http://schemas.microsoft.com/office/powerpoint/2010/main" Requires="p14">
+  <mc:AlternateContent xmlns:mc="http://schemas.openxmlformats.org/markup-compatibility/2006" xmlns:p14="http://schemas.microsoft.com/office/powerpoint/2010/main">
+    <mc:Choice Requires="p14">
       <p:transition spd="med" p14:dur="700">
         <p:fade/>
       </p:transition>
     </mc:Choice>
-    <mc:Fallback>
+    <mc:Fallback xmlns="">
       <p:transition spd="med">
         <p:fade/>
       </p:transition>
@@ -42010,13 +42068,13 @@
   <p:clrMapOvr>
     <a:masterClrMapping/>
   </p:clrMapOvr>
-  <mc:AlternateContent xmlns:mc="http://schemas.openxmlformats.org/markup-compatibility/2006">
-    <mc:Choice xmlns:p14="http://schemas.microsoft.com/office/powerpoint/2010/main" Requires="p14">
+  <mc:AlternateContent xmlns:mc="http://schemas.openxmlformats.org/markup-compatibility/2006" xmlns:p14="http://schemas.microsoft.com/office/powerpoint/2010/main">
+    <mc:Choice Requires="p14">
       <p:transition spd="med" p14:dur="700">
         <p:fade/>
       </p:transition>
     </mc:Choice>
-    <mc:Fallback>
+    <mc:Fallback xmlns="">
       <p:transition spd="med">
         <p:fade/>
       </p:transition>
@@ -42825,13 +42883,13 @@
   <p:clrMapOvr>
     <a:masterClrMapping/>
   </p:clrMapOvr>
-  <mc:AlternateContent xmlns:mc="http://schemas.openxmlformats.org/markup-compatibility/2006">
-    <mc:Choice xmlns:p14="http://schemas.microsoft.com/office/powerpoint/2010/main" Requires="p14">
+  <mc:AlternateContent xmlns:mc="http://schemas.openxmlformats.org/markup-compatibility/2006" xmlns:p14="http://schemas.microsoft.com/office/powerpoint/2010/main">
+    <mc:Choice Requires="p14">
       <p:transition spd="med" p14:dur="700">
         <p:fade/>
       </p:transition>
     </mc:Choice>
-    <mc:Fallback>
+    <mc:Fallback xmlns="">
       <p:transition spd="med">
         <p:fade/>
       </p:transition>
@@ -43598,13 +43656,13 @@
   <p:clrMapOvr>
     <a:masterClrMapping/>
   </p:clrMapOvr>
-  <mc:AlternateContent xmlns:mc="http://schemas.openxmlformats.org/markup-compatibility/2006">
-    <mc:Choice xmlns:p14="http://schemas.microsoft.com/office/powerpoint/2010/main" Requires="p14">
+  <mc:AlternateContent xmlns:mc="http://schemas.openxmlformats.org/markup-compatibility/2006" xmlns:p14="http://schemas.microsoft.com/office/powerpoint/2010/main">
+    <mc:Choice Requires="p14">
       <p:transition spd="med" p14:dur="700">
         <p:fade/>
       </p:transition>
     </mc:Choice>
-    <mc:Fallback>
+    <mc:Fallback xmlns="">
       <p:transition spd="med">
         <p:fade/>
       </p:transition>
